--- a/Juice.pptx
+++ b/Juice.pptx
@@ -5,7 +5,7 @@
     <p:sldMasterId id="2147483648" r:id="rId1"/>
   </p:sldMasterIdLst>
   <p:notesMasterIdLst>
-    <p:notesMasterId r:id="rId10"/>
+    <p:notesMasterId r:id="rId11"/>
   </p:notesMasterIdLst>
   <p:sldIdLst>
     <p:sldId id="256" r:id="rId2"/>
@@ -16,6 +16,7 @@
     <p:sldId id="262" r:id="rId7"/>
     <p:sldId id="261" r:id="rId8"/>
     <p:sldId id="263" r:id="rId9"/>
+    <p:sldId id="264" r:id="rId10"/>
   </p:sldIdLst>
   <p:sldSz cx="12192000" cy="6858000"/>
   <p:notesSz cx="6858000" cy="9144000"/>
@@ -127,6 +128,7 @@
             <p14:sldId id="262"/>
             <p14:sldId id="261"/>
             <p14:sldId id="263"/>
+            <p14:sldId id="264"/>
           </p14:sldIdLst>
         </p14:section>
       </p14:sectionLst>
@@ -2002,7 +2004,7 @@
           <a:p>
             <a:fld id="{539EC63C-F6A7-AC48-8823-3BF3EB4484F7}" type="datetimeFigureOut">
               <a:rPr lang="en-US" smtClean="0"/>
-              <a:t>2/1/20</a:t>
+              <a:t>2/1/2020</a:t>
             </a:fld>
             <a:endParaRPr lang="en-US"/>
           </a:p>
@@ -3008,6 +3010,90 @@
 </p:notes>
 </file>
 
+<file path=ppt/notesSlides/notesSlide7.xml><?xml version="1.0" encoding="utf-8"?>
+<p:notes xmlns:a="http://schemas.openxmlformats.org/drawingml/2006/main" xmlns:r="http://schemas.openxmlformats.org/officeDocument/2006/relationships" xmlns:p="http://schemas.openxmlformats.org/presentationml/2006/main">
+  <p:cSld>
+    <p:spTree>
+      <p:nvGrpSpPr>
+        <p:cNvPr id="1" name=""/>
+        <p:cNvGrpSpPr/>
+        <p:nvPr/>
+      </p:nvGrpSpPr>
+      <p:grpSpPr>
+        <a:xfrm>
+          <a:off x="0" y="0"/>
+          <a:ext cx="0" cy="0"/>
+          <a:chOff x="0" y="0"/>
+          <a:chExt cx="0" cy="0"/>
+        </a:xfrm>
+      </p:grpSpPr>
+      <p:sp>
+        <p:nvSpPr>
+          <p:cNvPr id="2" name="Slide Image Placeholder 1"/>
+          <p:cNvSpPr>
+            <a:spLocks noGrp="1" noRot="1" noChangeAspect="1"/>
+          </p:cNvSpPr>
+          <p:nvPr>
+            <p:ph type="sldImg"/>
+          </p:nvPr>
+        </p:nvSpPr>
+        <p:spPr/>
+      </p:sp>
+      <p:sp>
+        <p:nvSpPr>
+          <p:cNvPr id="3" name="Notes Placeholder 2"/>
+          <p:cNvSpPr>
+            <a:spLocks noGrp="1"/>
+          </p:cNvSpPr>
+          <p:nvPr>
+            <p:ph type="body" idx="1"/>
+          </p:nvPr>
+        </p:nvSpPr>
+        <p:spPr/>
+        <p:txBody>
+          <a:bodyPr/>
+          <a:lstStyle/>
+          <a:p>
+            <a:endParaRPr lang="en-US" dirty="0"/>
+          </a:p>
+        </p:txBody>
+      </p:sp>
+      <p:sp>
+        <p:nvSpPr>
+          <p:cNvPr id="4" name="Slide Number Placeholder 3"/>
+          <p:cNvSpPr>
+            <a:spLocks noGrp="1"/>
+          </p:cNvSpPr>
+          <p:nvPr>
+            <p:ph type="sldNum" sz="quarter" idx="5"/>
+          </p:nvPr>
+        </p:nvSpPr>
+        <p:spPr/>
+        <p:txBody>
+          <a:bodyPr/>
+          <a:lstStyle/>
+          <a:p>
+            <a:fld id="{4FF25DE3-192D-FF4D-9987-92B108A9D643}" type="slidenum">
+              <a:rPr lang="en-US" smtClean="0"/>
+              <a:t>9</a:t>
+            </a:fld>
+            <a:endParaRPr lang="en-US"/>
+          </a:p>
+        </p:txBody>
+      </p:sp>
+    </p:spTree>
+    <p:extLst>
+      <p:ext uri="{BB962C8B-B14F-4D97-AF65-F5344CB8AC3E}">
+        <p14:creationId xmlns:p14="http://schemas.microsoft.com/office/powerpoint/2010/main" val="2003814866"/>
+      </p:ext>
+    </p:extLst>
+  </p:cSld>
+  <p:clrMapOvr>
+    <a:masterClrMapping/>
+  </p:clrMapOvr>
+</p:notes>
+</file>
+
 <file path=ppt/slideLayouts/slideLayout1.xml><?xml version="1.0" encoding="utf-8"?>
 <p:sldLayout xmlns:a="http://schemas.openxmlformats.org/drawingml/2006/main" xmlns:r="http://schemas.openxmlformats.org/officeDocument/2006/relationships" xmlns:p="http://schemas.openxmlformats.org/presentationml/2006/main" type="title" preserve="1">
   <p:cSld name="Title Slide">
@@ -3155,7 +3241,7 @@
           <a:p>
             <a:fld id="{77739866-153A-9340-B52C-2E1E3F71C9BC}" type="datetime1">
               <a:rPr lang="en-US" smtClean="0"/>
-              <a:t>2/1/20</a:t>
+              <a:t>2/1/2020</a:t>
             </a:fld>
             <a:endParaRPr lang="en-US"/>
           </a:p>
@@ -3353,7 +3439,7 @@
           <a:p>
             <a:fld id="{5C4350A6-C3C0-5F4B-8E93-726900E9B9B2}" type="datetime1">
               <a:rPr lang="en-US" smtClean="0"/>
-              <a:t>2/1/20</a:t>
+              <a:t>2/1/2020</a:t>
             </a:fld>
             <a:endParaRPr lang="en-US"/>
           </a:p>
@@ -3561,7 +3647,7 @@
           <a:p>
             <a:fld id="{C05E6528-3DAF-2843-B91A-2E72234AE4DB}" type="datetime1">
               <a:rPr lang="en-US" smtClean="0"/>
-              <a:t>2/1/20</a:t>
+              <a:t>2/1/2020</a:t>
             </a:fld>
             <a:endParaRPr lang="en-US"/>
           </a:p>
@@ -3759,7 +3845,7 @@
           <a:p>
             <a:fld id="{E6A75557-BB87-4F49-954C-2A82F75B1125}" type="datetime1">
               <a:rPr lang="en-US" smtClean="0"/>
-              <a:t>2/1/20</a:t>
+              <a:t>2/1/2020</a:t>
             </a:fld>
             <a:endParaRPr lang="en-US"/>
           </a:p>
@@ -4034,7 +4120,7 @@
           <a:p>
             <a:fld id="{57307244-3D6D-B548-B25C-2F8D89DE4F5E}" type="datetime1">
               <a:rPr lang="en-US" smtClean="0"/>
-              <a:t>2/1/20</a:t>
+              <a:t>2/1/2020</a:t>
             </a:fld>
             <a:endParaRPr lang="en-US"/>
           </a:p>
@@ -4299,7 +4385,7 @@
           <a:p>
             <a:fld id="{D917A0D7-0723-F84B-88BE-5BD249E796F1}" type="datetime1">
               <a:rPr lang="en-US" smtClean="0"/>
-              <a:t>2/1/20</a:t>
+              <a:t>2/1/2020</a:t>
             </a:fld>
             <a:endParaRPr lang="en-US"/>
           </a:p>
@@ -4711,7 +4797,7 @@
           <a:p>
             <a:fld id="{35638B5B-D3C7-E944-869A-095D3B98E82C}" type="datetime1">
               <a:rPr lang="en-US" smtClean="0"/>
-              <a:t>2/1/20</a:t>
+              <a:t>2/1/2020</a:t>
             </a:fld>
             <a:endParaRPr lang="en-US"/>
           </a:p>
@@ -4852,7 +4938,7 @@
           <a:p>
             <a:fld id="{1206B989-4486-7F45-A1C7-DD123490FD61}" type="datetime1">
               <a:rPr lang="en-US" smtClean="0"/>
-              <a:t>2/1/20</a:t>
+              <a:t>2/1/2020</a:t>
             </a:fld>
             <a:endParaRPr lang="en-US"/>
           </a:p>
@@ -4965,7 +5051,7 @@
           <a:p>
             <a:fld id="{D85F9383-60C6-9547-A3EB-D7EEB5CFFF9A}" type="datetime1">
               <a:rPr lang="en-US" smtClean="0"/>
-              <a:t>2/1/20</a:t>
+              <a:t>2/1/2020</a:t>
             </a:fld>
             <a:endParaRPr lang="en-US"/>
           </a:p>
@@ -5276,7 +5362,7 @@
           <a:p>
             <a:fld id="{4BFE4AC2-1440-304B-85BC-9D9A19BF3660}" type="datetime1">
               <a:rPr lang="en-US" smtClean="0"/>
-              <a:t>2/1/20</a:t>
+              <a:t>2/1/2020</a:t>
             </a:fld>
             <a:endParaRPr lang="en-US"/>
           </a:p>
@@ -5564,7 +5650,7 @@
           <a:p>
             <a:fld id="{E5FF0025-E310-1142-958F-D45992931ABD}" type="datetime1">
               <a:rPr lang="en-US" smtClean="0"/>
-              <a:t>2/1/20</a:t>
+              <a:t>2/1/2020</a:t>
             </a:fld>
             <a:endParaRPr lang="en-US"/>
           </a:p>
@@ -5805,7 +5891,7 @@
           <a:p>
             <a:fld id="{015804B1-CCCC-574C-A594-BCD80BEA8C67}" type="datetime1">
               <a:rPr lang="en-US" smtClean="0"/>
-              <a:t>2/1/20</a:t>
+              <a:t>2/1/2020</a:t>
             </a:fld>
             <a:endParaRPr lang="en-US"/>
           </a:p>
@@ -7769,16 +7855,13 @@
           <a:p>
             <a:r>
               <a:rPr lang="en-US" sz="2000" dirty="0"/>
-              <a:t>See </a:t>
-            </a:r>
-            <a:r>
-              <a:rPr lang="en-US" sz="2000" dirty="0" err="1"/>
-              <a:t>Juice_Rate.xlsm</a:t>
-            </a:r>
-            <a:r>
-              <a:rPr lang="en-US" sz="2000" dirty="0"/>
-              <a:t> file for calculations</a:t>
-            </a:r>
+              <a:t>See next slide </a:t>
+            </a:r>
+            <a:r>
+              <a:rPr lang="en-US" sz="2000"/>
+              <a:t>for example</a:t>
+            </a:r>
+            <a:endParaRPr lang="en-US" sz="2000" dirty="0"/>
           </a:p>
           <a:p>
             <a:endParaRPr lang="en-US" sz="2800" dirty="0"/>
@@ -7789,6 +7872,143 @@
     <p:extLst>
       <p:ext uri="{BB962C8B-B14F-4D97-AF65-F5344CB8AC3E}">
         <p14:creationId xmlns:p14="http://schemas.microsoft.com/office/powerpoint/2010/main" val="4066652451"/>
+      </p:ext>
+    </p:extLst>
+  </p:cSld>
+  <p:clrMapOvr>
+    <a:masterClrMapping/>
+  </p:clrMapOvr>
+</p:sld>
+</file>
+
+<file path=ppt/slides/slide9.xml><?xml version="1.0" encoding="utf-8"?>
+<p:sld xmlns:a="http://schemas.openxmlformats.org/drawingml/2006/main" xmlns:r="http://schemas.openxmlformats.org/officeDocument/2006/relationships" xmlns:p="http://schemas.openxmlformats.org/presentationml/2006/main">
+  <p:cSld>
+    <p:spTree>
+      <p:nvGrpSpPr>
+        <p:cNvPr id="1" name=""/>
+        <p:cNvGrpSpPr/>
+        <p:nvPr/>
+      </p:nvGrpSpPr>
+      <p:grpSpPr>
+        <a:xfrm>
+          <a:off x="0" y="0"/>
+          <a:ext cx="0" cy="0"/>
+          <a:chOff x="0" y="0"/>
+          <a:chExt cx="0" cy="0"/>
+        </a:xfrm>
+      </p:grpSpPr>
+      <p:pic>
+        <p:nvPicPr>
+          <p:cNvPr id="5" name="Content Placeholder 4">
+            <a:extLst>
+              <a:ext uri="{FF2B5EF4-FFF2-40B4-BE49-F238E27FC236}">
+                <a16:creationId xmlns:a16="http://schemas.microsoft.com/office/drawing/2014/main" id="{22EA7BA5-94BD-CB48-BAE5-FF6775E4ABEC}"/>
+              </a:ext>
+            </a:extLst>
+          </p:cNvPr>
+          <p:cNvPicPr>
+            <a:picLocks noGrp="1" noChangeAspect="1"/>
+          </p:cNvPicPr>
+          <p:nvPr>
+            <p:ph idx="1"/>
+          </p:nvPr>
+        </p:nvPicPr>
+        <p:blipFill>
+          <a:blip r:embed="rId3">
+            <a:extLst>
+              <a:ext uri="{96DAC541-7B7A-43D3-8B79-37D633B846F1}">
+                <asvg:svgBlip xmlns:asvg="http://schemas.microsoft.com/office/drawing/2016/SVG/main" r:embed="rId4"/>
+              </a:ext>
+            </a:extLst>
+          </a:blip>
+          <a:stretch>
+            <a:fillRect/>
+          </a:stretch>
+        </p:blipFill>
+        <p:spPr>
+          <a:xfrm>
+            <a:off x="5619750" y="5711031"/>
+            <a:ext cx="952500" cy="952500"/>
+          </a:xfrm>
+        </p:spPr>
+      </p:pic>
+      <p:sp>
+        <p:nvSpPr>
+          <p:cNvPr id="6" name="Slide Number Placeholder 5">
+            <a:extLst>
+              <a:ext uri="{FF2B5EF4-FFF2-40B4-BE49-F238E27FC236}">
+                <a16:creationId xmlns:a16="http://schemas.microsoft.com/office/drawing/2014/main" id="{5AE82A44-468A-6B40-A2EB-FEF40AE2B9F1}"/>
+              </a:ext>
+            </a:extLst>
+          </p:cNvPr>
+          <p:cNvSpPr>
+            <a:spLocks noGrp="1"/>
+          </p:cNvSpPr>
+          <p:nvPr>
+            <p:ph type="sldNum" sz="quarter" idx="12"/>
+          </p:nvPr>
+        </p:nvSpPr>
+        <p:spPr>
+          <a:xfrm>
+            <a:off x="3609974" y="6004718"/>
+            <a:ext cx="2743200" cy="365125"/>
+          </a:xfrm>
+        </p:spPr>
+        <p:txBody>
+          <a:bodyPr/>
+          <a:lstStyle/>
+          <a:p>
+            <a:fld id="{087101AA-D2D5-7E4E-A1FE-9C684A7BB7C6}" type="slidenum">
+              <a:rPr lang="en-US" sz="1600" b="1" smtClean="0">
+                <a:solidFill>
+                  <a:schemeClr val="bg1"/>
+                </a:solidFill>
+              </a:rPr>
+              <a:t>9</a:t>
+            </a:fld>
+            <a:endParaRPr lang="en-US" b="1" dirty="0">
+              <a:solidFill>
+                <a:schemeClr val="bg1"/>
+              </a:solidFill>
+            </a:endParaRPr>
+          </a:p>
+        </p:txBody>
+      </p:sp>
+      <p:pic>
+        <p:nvPicPr>
+          <p:cNvPr id="4" name="Picture 3">
+            <a:extLst>
+              <a:ext uri="{FF2B5EF4-FFF2-40B4-BE49-F238E27FC236}">
+                <a16:creationId xmlns:a16="http://schemas.microsoft.com/office/drawing/2014/main" id="{C3F2C469-E3AA-489C-B61F-B560E1FA5C84}"/>
+              </a:ext>
+            </a:extLst>
+          </p:cNvPr>
+          <p:cNvPicPr>
+            <a:picLocks noChangeAspect="1"/>
+          </p:cNvPicPr>
+          <p:nvPr/>
+        </p:nvPicPr>
+        <p:blipFill>
+          <a:blip r:embed="rId5"/>
+          <a:stretch>
+            <a:fillRect/>
+          </a:stretch>
+        </p:blipFill>
+        <p:spPr>
+          <a:xfrm>
+            <a:off x="558412" y="642175"/>
+            <a:ext cx="11075176" cy="5068856"/>
+          </a:xfrm>
+          <a:prstGeom prst="rect">
+            <a:avLst/>
+          </a:prstGeom>
+        </p:spPr>
+      </p:pic>
+    </p:spTree>
+    <p:extLst>
+      <p:ext uri="{BB962C8B-B14F-4D97-AF65-F5344CB8AC3E}">
+        <p14:creationId xmlns:p14="http://schemas.microsoft.com/office/powerpoint/2010/main" val="1570053301"/>
       </p:ext>
     </p:extLst>
   </p:cSld>
